--- a/docs/diagrams/LogicComponentMaintainSortedSequenceDiagram.pptx
+++ b/docs/diagrams/LogicComponentMaintainSortedSequenceDiagram.pptx
@@ -3865,7 +3865,7 @@
                   <a:schemeClr val="bg1"/>
                 </a:solidFill>
               </a:rPr>
-              <a:t>d:Add</a:t>
+              <a:t>a:Add</a:t>
             </a:r>
             <a:br>
               <a:rPr lang="en-US" sz="1600" dirty="0">
@@ -5511,8 +5511,8 @@
         </p:nvSpPr>
         <p:spPr>
           <a:xfrm>
-            <a:off x="1018305" y="833401"/>
-            <a:ext cx="7661374" cy="646331"/>
+            <a:off x="1090473" y="1196493"/>
+            <a:ext cx="6334217" cy="646331"/>
           </a:xfrm>
           <a:prstGeom prst="rect">
             <a:avLst/>
@@ -5539,7 +5539,7 @@
                   <a:srgbClr val="0070C0"/>
                 </a:solidFill>
               </a:rPr>
-              <a:t> = #/RR123456789SG n/Alice Cooper p/93141592 </a:t>
+              <a:t> = “#/RR123456789SG n/Alice Cooper p/93141592 </a:t>
             </a:r>
             <a:r>
               <a:rPr lang="en-US" sz="1400" dirty="0">
@@ -5609,7 +5609,7 @@
         </p:nvCxnSpPr>
         <p:spPr>
           <a:xfrm>
-            <a:off x="6858000" y="3914997"/>
+            <a:off x="6858000" y="3886200"/>
             <a:ext cx="1836137" cy="0"/>
           </a:xfrm>
           <a:prstGeom prst="straightConnector1">
@@ -5709,8 +5709,8 @@
         </p:nvSpPr>
         <p:spPr>
           <a:xfrm>
-            <a:off x="8686800" y="3810000"/>
-            <a:ext cx="152400" cy="199803"/>
+            <a:off x="8686800" y="3886200"/>
+            <a:ext cx="152400" cy="123603"/>
           </a:xfrm>
           <a:prstGeom prst="rect">
             <a:avLst/>
@@ -5758,6 +5758,55 @@
           </a:p>
         </p:txBody>
       </p:sp>
+      <p:cxnSp>
+        <p:nvCxnSpPr>
+          <p:cNvPr id="55" name="Straight Arrow Connector 54">
+            <a:extLst>
+              <a:ext uri="{FF2B5EF4-FFF2-40B4-BE49-F238E27FC236}">
+                <a16:creationId xmlns:a16="http://schemas.microsoft.com/office/drawing/2014/main" id="{0471EAB7-51FF-4863-9A62-08CFD97A4E91}"/>
+              </a:ext>
+            </a:extLst>
+          </p:cNvPr>
+          <p:cNvCxnSpPr>
+            <a:cxnSpLocks/>
+          </p:cNvCxnSpPr>
+          <p:nvPr/>
+        </p:nvCxnSpPr>
+        <p:spPr>
+          <a:xfrm flipV="1">
+            <a:off x="6856111" y="3999620"/>
+            <a:ext cx="1838026" cy="9750"/>
+          </a:xfrm>
+          <a:prstGeom prst="straightConnector1">
+            <a:avLst/>
+          </a:prstGeom>
+          <a:ln w="19050">
+            <a:solidFill>
+              <a:schemeClr val="accent4">
+                <a:lumMod val="60000"/>
+                <a:lumOff val="40000"/>
+              </a:schemeClr>
+            </a:solidFill>
+            <a:prstDash val="sysDash"/>
+            <a:headEnd type="arrow" w="med" len="med"/>
+            <a:tailEnd type="none" w="med" len="med"/>
+          </a:ln>
+        </p:spPr>
+        <p:style>
+          <a:lnRef idx="1">
+            <a:schemeClr val="accent1"/>
+          </a:lnRef>
+          <a:fillRef idx="0">
+            <a:schemeClr val="accent1"/>
+          </a:fillRef>
+          <a:effectRef idx="0">
+            <a:schemeClr val="accent1"/>
+          </a:effectRef>
+          <a:fontRef idx="minor">
+            <a:schemeClr val="tx1"/>
+          </a:fontRef>
+        </p:style>
+      </p:cxnSp>
     </p:spTree>
     <p:extLst>
       <p:ext uri="{BB962C8B-B14F-4D97-AF65-F5344CB8AC3E}">
